--- a/1. STEP/9일차/FLEX_문제.pptx
+++ b/1. STEP/9일차/FLEX_문제.pptx
@@ -3017,7 +3017,7 @@
         <p:spPr>
           <a:xfrm>
             <a:off x="259611" y="2859987"/>
-            <a:ext cx="5186468" cy="1169551"/>
+            <a:ext cx="5186468" cy="1631216"/>
           </a:xfrm>
           <a:prstGeom prst="rect">
             <a:avLst/>
@@ -3077,6 +3077,65 @@
             <a:r>
               <a:rPr lang="en-US" altLang="ko-KR" sz="1000" dirty="0"/>
               <a:t>.</a:t>
+            </a:r>
+          </a:p>
+          <a:p>
+            <a:r>
+              <a:rPr lang="ko-KR" altLang="en-US" sz="1000" dirty="0"/>
+              <a:t>글씨폰트는 다를 수 있습니다</a:t>
+            </a:r>
+            <a:r>
+              <a:rPr lang="en-US" altLang="ko-KR" sz="1000" dirty="0"/>
+              <a:t>.</a:t>
+            </a:r>
+          </a:p>
+          <a:p>
+            <a:endParaRPr lang="en-US" altLang="ko-KR" sz="1000" b="1" dirty="0">
+              <a:solidFill>
+                <a:srgbClr val="FF0000"/>
+              </a:solidFill>
+            </a:endParaRPr>
+          </a:p>
+          <a:p>
+            <a:r>
+              <a:rPr lang="ko-KR" altLang="en-US" sz="1000" b="1" dirty="0">
+                <a:solidFill>
+                  <a:srgbClr val="FF0000"/>
+                </a:solidFill>
+              </a:rPr>
+              <a:t>단</a:t>
+            </a:r>
+            <a:r>
+              <a:rPr lang="en-US" altLang="ko-KR" sz="1000" b="1" dirty="0">
+                <a:solidFill>
+                  <a:srgbClr val="FF0000"/>
+                </a:solidFill>
+              </a:rPr>
+              <a:t>, Flex</a:t>
+            </a:r>
+            <a:r>
+              <a:rPr lang="ko-KR" altLang="en-US" sz="1000" b="1" dirty="0">
+                <a:solidFill>
+                  <a:srgbClr val="FF0000"/>
+                </a:solidFill>
+              </a:rPr>
+              <a:t>는 </a:t>
+            </a:r>
+            <a:r>
+              <a:rPr lang="en-US" altLang="ko-KR" sz="1000" b="1" dirty="0">
+                <a:solidFill>
+                  <a:srgbClr val="FF0000"/>
+                </a:solidFill>
+              </a:rPr>
+              <a:t>1</a:t>
+            </a:r>
+            <a:r>
+              <a:rPr lang="ko-KR" altLang="en-US" sz="1000" b="1" dirty="0">
+                <a:solidFill>
+                  <a:srgbClr val="FF0000"/>
+                </a:solidFill>
+              </a:rPr>
+              <a:t>번만 사용 할 것</a:t>
             </a:r>
             <a:endParaRPr lang="en-US" altLang="ko-KR" sz="1000" b="1" dirty="0">
               <a:solidFill>
@@ -3383,7 +3442,7 @@
         <p:spPr>
           <a:xfrm>
             <a:off x="133776" y="3648298"/>
-            <a:ext cx="5186468" cy="1169551"/>
+            <a:ext cx="5186468" cy="1785104"/>
           </a:xfrm>
           <a:prstGeom prst="rect">
             <a:avLst/>
@@ -3444,6 +3503,77 @@
               <a:rPr lang="en-US" altLang="ko-KR" sz="1000" dirty="0"/>
               <a:t>.</a:t>
             </a:r>
+          </a:p>
+          <a:p>
+            <a:r>
+              <a:rPr lang="ko-KR" altLang="en-US" sz="1000" dirty="0"/>
+              <a:t>글씨폰트는 다를 수 있습니다</a:t>
+            </a:r>
+            <a:r>
+              <a:rPr lang="en-US" altLang="ko-KR" sz="1000" dirty="0"/>
+              <a:t>.</a:t>
+            </a:r>
+            <a:endParaRPr lang="en-US" altLang="ko-KR" sz="1000" b="1" dirty="0">
+              <a:solidFill>
+                <a:srgbClr val="FF0000"/>
+              </a:solidFill>
+            </a:endParaRPr>
+          </a:p>
+          <a:p>
+            <a:endParaRPr lang="en-US" altLang="ko-KR" sz="1000" b="1" dirty="0">
+              <a:solidFill>
+                <a:srgbClr val="FF0000"/>
+              </a:solidFill>
+            </a:endParaRPr>
+          </a:p>
+          <a:p>
+            <a:r>
+              <a:rPr lang="ko-KR" altLang="en-US" sz="1000" b="1" dirty="0">
+                <a:solidFill>
+                  <a:srgbClr val="FF0000"/>
+                </a:solidFill>
+              </a:rPr>
+              <a:t>단</a:t>
+            </a:r>
+            <a:r>
+              <a:rPr lang="en-US" altLang="ko-KR" sz="1000" b="1" dirty="0">
+                <a:solidFill>
+                  <a:srgbClr val="FF0000"/>
+                </a:solidFill>
+              </a:rPr>
+              <a:t>, Flex</a:t>
+            </a:r>
+            <a:r>
+              <a:rPr lang="ko-KR" altLang="en-US" sz="1000" b="1" dirty="0">
+                <a:solidFill>
+                  <a:srgbClr val="FF0000"/>
+                </a:solidFill>
+              </a:rPr>
+              <a:t>는 </a:t>
+            </a:r>
+            <a:r>
+              <a:rPr lang="en-US" altLang="ko-KR" sz="1000" b="1" dirty="0">
+                <a:solidFill>
+                  <a:srgbClr val="FF0000"/>
+                </a:solidFill>
+              </a:rPr>
+              <a:t>1</a:t>
+            </a:r>
+            <a:r>
+              <a:rPr lang="ko-KR" altLang="en-US" sz="1000" b="1" dirty="0">
+                <a:solidFill>
+                  <a:srgbClr val="FF0000"/>
+                </a:solidFill>
+              </a:rPr>
+              <a:t>번만 사용 할 것</a:t>
+            </a:r>
+            <a:endParaRPr lang="en-US" altLang="ko-KR" sz="1000" b="1" dirty="0">
+              <a:solidFill>
+                <a:srgbClr val="FF0000"/>
+              </a:solidFill>
+            </a:endParaRPr>
+          </a:p>
+          <a:p>
             <a:endParaRPr lang="en-US" altLang="ko-KR" sz="1000" b="1" dirty="0">
               <a:solidFill>
                 <a:srgbClr val="FF0000"/>
